--- a/Slides/10_Lecture.pptx
+++ b/Slides/10_Lecture.pptx
@@ -5,19 +5,18 @@
     <p:sldMasterId id="2147483660" r:id="rId1"/>
   </p:sldMasterIdLst>
   <p:notesMasterIdLst>
-    <p:notesMasterId r:id="rId12"/>
+    <p:notesMasterId r:id="rId11"/>
   </p:notesMasterIdLst>
   <p:sldIdLst>
     <p:sldId id="256" r:id="rId2"/>
     <p:sldId id="257" r:id="rId3"/>
     <p:sldId id="258" r:id="rId4"/>
-    <p:sldId id="259" r:id="rId5"/>
-    <p:sldId id="260" r:id="rId6"/>
-    <p:sldId id="261" r:id="rId7"/>
-    <p:sldId id="262" r:id="rId8"/>
-    <p:sldId id="263" r:id="rId9"/>
-    <p:sldId id="264" r:id="rId10"/>
-    <p:sldId id="265" r:id="rId11"/>
+    <p:sldId id="260" r:id="rId5"/>
+    <p:sldId id="261" r:id="rId6"/>
+    <p:sldId id="262" r:id="rId7"/>
+    <p:sldId id="263" r:id="rId8"/>
+    <p:sldId id="264" r:id="rId9"/>
+    <p:sldId id="265" r:id="rId10"/>
   </p:sldIdLst>
   <p:sldSz cx="9144000" cy="6858000" type="screen4x3"/>
   <p:notesSz cx="6858000" cy="9144000"/>
@@ -206,7 +205,7 @@
           <a:p>
             <a:fld id="{16136E8F-1965-6C44-A7B5-03BB9B497561}" type="datetimeFigureOut">
               <a:rPr lang="en-GB" smtClean="0"/>
-              <a:t>29/09/2017</a:t>
+              <a:t>07/11/2017</a:t>
             </a:fld>
             <a:endParaRPr lang="en-GB"/>
           </a:p>
@@ -605,7 +604,7 @@
           <a:p>
             <a:fld id="{C380D008-60B2-0246-B113-8E855462598C}" type="datetimeFigureOut">
               <a:rPr lang="en-GB" smtClean="0"/>
-              <a:t>29/09/2017</a:t>
+              <a:t>07/11/2017</a:t>
             </a:fld>
             <a:endParaRPr lang="en-GB"/>
           </a:p>
@@ -770,7 +769,7 @@
           <a:p>
             <a:fld id="{C380D008-60B2-0246-B113-8E855462598C}" type="datetimeFigureOut">
               <a:rPr lang="en-GB" smtClean="0"/>
-              <a:t>29/09/2017</a:t>
+              <a:t>07/11/2017</a:t>
             </a:fld>
             <a:endParaRPr lang="en-GB"/>
           </a:p>
@@ -945,7 +944,7 @@
           <a:p>
             <a:fld id="{C380D008-60B2-0246-B113-8E855462598C}" type="datetimeFigureOut">
               <a:rPr lang="en-GB" smtClean="0"/>
-              <a:t>29/09/2017</a:t>
+              <a:t>07/11/2017</a:t>
             </a:fld>
             <a:endParaRPr lang="en-GB"/>
           </a:p>
@@ -1110,7 +1109,7 @@
           <a:p>
             <a:fld id="{C380D008-60B2-0246-B113-8E855462598C}" type="datetimeFigureOut">
               <a:rPr lang="en-GB" smtClean="0"/>
-              <a:t>29/09/2017</a:t>
+              <a:t>07/11/2017</a:t>
             </a:fld>
             <a:endParaRPr lang="en-GB"/>
           </a:p>
@@ -1349,7 +1348,7 @@
           <a:p>
             <a:fld id="{C380D008-60B2-0246-B113-8E855462598C}" type="datetimeFigureOut">
               <a:rPr lang="en-GB" smtClean="0"/>
-              <a:t>29/09/2017</a:t>
+              <a:t>07/11/2017</a:t>
             </a:fld>
             <a:endParaRPr lang="en-GB"/>
           </a:p>
@@ -1576,7 +1575,7 @@
           <a:p>
             <a:fld id="{C380D008-60B2-0246-B113-8E855462598C}" type="datetimeFigureOut">
               <a:rPr lang="en-GB" smtClean="0"/>
-              <a:t>29/09/2017</a:t>
+              <a:t>07/11/2017</a:t>
             </a:fld>
             <a:endParaRPr lang="en-GB"/>
           </a:p>
@@ -1938,7 +1937,7 @@
           <a:p>
             <a:fld id="{C380D008-60B2-0246-B113-8E855462598C}" type="datetimeFigureOut">
               <a:rPr lang="en-GB" smtClean="0"/>
-              <a:t>29/09/2017</a:t>
+              <a:t>07/11/2017</a:t>
             </a:fld>
             <a:endParaRPr lang="en-GB"/>
           </a:p>
@@ -2051,7 +2050,7 @@
           <a:p>
             <a:fld id="{C380D008-60B2-0246-B113-8E855462598C}" type="datetimeFigureOut">
               <a:rPr lang="en-GB" smtClean="0"/>
-              <a:t>29/09/2017</a:t>
+              <a:t>07/11/2017</a:t>
             </a:fld>
             <a:endParaRPr lang="en-GB"/>
           </a:p>
@@ -2141,7 +2140,7 @@
           <a:p>
             <a:fld id="{C380D008-60B2-0246-B113-8E855462598C}" type="datetimeFigureOut">
               <a:rPr lang="en-GB" smtClean="0"/>
-              <a:t>29/09/2017</a:t>
+              <a:t>07/11/2017</a:t>
             </a:fld>
             <a:endParaRPr lang="en-GB"/>
           </a:p>
@@ -2413,7 +2412,7 @@
           <a:p>
             <a:fld id="{C380D008-60B2-0246-B113-8E855462598C}" type="datetimeFigureOut">
               <a:rPr lang="en-GB" smtClean="0"/>
-              <a:t>29/09/2017</a:t>
+              <a:t>07/11/2017</a:t>
             </a:fld>
             <a:endParaRPr lang="en-GB"/>
           </a:p>
@@ -2665,7 +2664,7 @@
           <a:p>
             <a:fld id="{C380D008-60B2-0246-B113-8E855462598C}" type="datetimeFigureOut">
               <a:rPr lang="en-GB" smtClean="0"/>
-              <a:t>29/09/2017</a:t>
+              <a:t>07/11/2017</a:t>
             </a:fld>
             <a:endParaRPr lang="en-GB"/>
           </a:p>
@@ -2873,7 +2872,7 @@
           <a:p>
             <a:fld id="{C380D008-60B2-0246-B113-8E855462598C}" type="datetimeFigureOut">
               <a:rPr lang="en-GB" smtClean="0"/>
-              <a:t>29/09/2017</a:t>
+              <a:t>07/11/2017</a:t>
             </a:fld>
             <a:endParaRPr lang="en-GB"/>
           </a:p>
@@ -3521,7 +3520,7 @@
             </a:pPr>
             <a:r>
               <a:rPr lang="en-GB" dirty="0" smtClean="0"/>
-              <a:t>Alex D Singleton, Seth E </a:t>
+              <a:t>Alex D. Singleton, Seth E. </a:t>
             </a:r>
             <a:r>
               <a:rPr lang="en-GB" dirty="0" err="1" smtClean="0"/>
@@ -3529,7 +3528,7 @@
             </a:r>
             <a:r>
               <a:rPr lang="en-GB" dirty="0" smtClean="0"/>
-              <a:t>, David C </a:t>
+              <a:t>, David C. </a:t>
             </a:r>
             <a:r>
               <a:rPr lang="en-GB" dirty="0" err="1" smtClean="0"/>
@@ -3537,7 +3536,15 @@
             </a:r>
             <a:r>
               <a:rPr lang="en-GB" dirty="0" smtClean="0"/>
-              <a:t> (2017) Urban Analytics. London: Sage.</a:t>
+              <a:t> (2017) </a:t>
+            </a:r>
+            <a:r>
+              <a:rPr lang="en-GB" i="1" dirty="0" smtClean="0"/>
+              <a:t>Urban Analytics</a:t>
+            </a:r>
+            <a:r>
+              <a:rPr lang="en-GB" dirty="0" smtClean="0"/>
+              <a:t>. London: Sage.</a:t>
             </a:r>
             <a:endParaRPr lang="en-GB" dirty="0"/>
           </a:p>
@@ -3547,105 +3554,6 @@
     <p:extLst>
       <p:ext uri="{BB962C8B-B14F-4D97-AF65-F5344CB8AC3E}">
         <p14:creationId xmlns:p14="http://schemas.microsoft.com/office/powerpoint/2010/main" val="867220027"/>
-      </p:ext>
-    </p:extLst>
-  </p:cSld>
-  <p:clrMapOvr>
-    <a:masterClrMapping/>
-  </p:clrMapOvr>
-</p:sld>
-</file>
-
-<file path=ppt/slides/slide10.xml><?xml version="1.0" encoding="utf-8"?>
-<p:sld xmlns:a="http://schemas.openxmlformats.org/drawingml/2006/main" xmlns:r="http://schemas.openxmlformats.org/officeDocument/2006/relationships" xmlns:p="http://schemas.openxmlformats.org/presentationml/2006/main">
-  <p:cSld>
-    <p:spTree>
-      <p:nvGrpSpPr>
-        <p:cNvPr id="1" name=""/>
-        <p:cNvGrpSpPr/>
-        <p:nvPr/>
-      </p:nvGrpSpPr>
-      <p:grpSpPr>
-        <a:xfrm>
-          <a:off x="0" y="0"/>
-          <a:ext cx="0" cy="0"/>
-          <a:chOff x="0" y="0"/>
-          <a:chExt cx="0" cy="0"/>
-        </a:xfrm>
-      </p:grpSpPr>
-      <p:sp>
-        <p:nvSpPr>
-          <p:cNvPr id="2" name="Title 1"/>
-          <p:cNvSpPr>
-            <a:spLocks noGrp="1"/>
-          </p:cNvSpPr>
-          <p:nvPr>
-            <p:ph type="title"/>
-          </p:nvPr>
-        </p:nvSpPr>
-        <p:spPr/>
-        <p:txBody>
-          <a:bodyPr/>
-          <a:lstStyle/>
-          <a:p>
-            <a:r>
-              <a:rPr lang="en-GB" dirty="0" smtClean="0"/>
-              <a:t>Conclusions</a:t>
-            </a:r>
-            <a:endParaRPr lang="en-GB" dirty="0"/>
-          </a:p>
-        </p:txBody>
-      </p:sp>
-      <p:sp>
-        <p:nvSpPr>
-          <p:cNvPr id="3" name="Content Placeholder 2"/>
-          <p:cNvSpPr>
-            <a:spLocks noGrp="1"/>
-          </p:cNvSpPr>
-          <p:nvPr>
-            <p:ph idx="1"/>
-          </p:nvPr>
-        </p:nvSpPr>
-        <p:spPr/>
-        <p:txBody>
-          <a:bodyPr/>
-          <a:lstStyle/>
-          <a:p>
-            <a:r>
-              <a:rPr lang="en-GB" dirty="0" smtClean="0"/>
-              <a:t>Indicators have a history of use in the description of different aspects of urban geography</a:t>
-            </a:r>
-          </a:p>
-          <a:p>
-            <a:r>
-              <a:rPr lang="en-GB" dirty="0" smtClean="0"/>
-              <a:t>They are usually used to describe latent structure</a:t>
-            </a:r>
-          </a:p>
-          <a:p>
-            <a:pPr lvl="1"/>
-            <a:r>
-              <a:rPr lang="en-GB" dirty="0" smtClean="0"/>
-              <a:t>Often multidimensional in terms of input</a:t>
-            </a:r>
-          </a:p>
-          <a:p>
-            <a:r>
-              <a:rPr lang="en-GB" dirty="0" smtClean="0"/>
-              <a:t>No single way of building </a:t>
-            </a:r>
-            <a:r>
-              <a:rPr lang="en-GB" smtClean="0"/>
-              <a:t>an index</a:t>
-            </a:r>
-            <a:endParaRPr lang="en-GB" dirty="0"/>
-          </a:p>
-        </p:txBody>
-      </p:sp>
-    </p:spTree>
-    <p:extLst>
-      <p:ext uri="{BB962C8B-B14F-4D97-AF65-F5344CB8AC3E}">
-        <p14:creationId xmlns:p14="http://schemas.microsoft.com/office/powerpoint/2010/main" val="980882217"/>
       </p:ext>
     </p:extLst>
   </p:cSld>
@@ -3833,7 +3741,7 @@
             <a:pPr lvl="2"/>
             <a:r>
               <a:rPr lang="en-US" dirty="0" smtClean="0"/>
-              <a:t>Wealth - </a:t>
+              <a:t>Wealth – </a:t>
             </a:r>
             <a:r>
               <a:rPr lang="en-US" dirty="0"/>
@@ -3994,111 +3902,104 @@
           <a:p>
             <a:r>
               <a:rPr lang="en-GB" dirty="0" smtClean="0"/>
-              <a:t>Early Urban Index</a:t>
+              <a:t>Contemporary Index</a:t>
             </a:r>
             <a:endParaRPr lang="en-GB" dirty="0"/>
           </a:p>
         </p:txBody>
       </p:sp>
-      <p:pic>
-        <p:nvPicPr>
-          <p:cNvPr id="4" name="Content Placeholder 3"/>
-          <p:cNvPicPr>
-            <a:picLocks noGrp="1" noChangeAspect="1"/>
-          </p:cNvPicPr>
+      <p:sp>
+        <p:nvSpPr>
+          <p:cNvPr id="3" name="Content Placeholder 2"/>
+          <p:cNvSpPr>
+            <a:spLocks noGrp="1"/>
+          </p:cNvSpPr>
           <p:nvPr>
             <p:ph idx="1"/>
           </p:nvPr>
-        </p:nvPicPr>
-        <p:blipFill>
-          <a:blip r:embed="rId2" cstate="screen">
-            <a:extLst>
-              <a:ext uri="{28A0092B-C50C-407E-A947-70E740481C1C}">
-                <a14:useLocalDpi xmlns:a14="http://schemas.microsoft.com/office/drawing/2010/main"/>
-              </a:ext>
-            </a:extLst>
-          </a:blip>
-          <a:stretch>
-            <a:fillRect/>
-          </a:stretch>
-        </p:blipFill>
-        <p:spPr>
-          <a:xfrm>
-            <a:off x="1729172" y="1438168"/>
-            <a:ext cx="5468679" cy="4351338"/>
-          </a:xfrm>
-          <a:prstGeom prst="rect">
-            <a:avLst/>
-          </a:prstGeom>
-        </p:spPr>
-      </p:pic>
-      <p:sp>
-        <p:nvSpPr>
-          <p:cNvPr id="5" name="Rectangle 4"/>
-          <p:cNvSpPr/>
-          <p:nvPr/>
-        </p:nvSpPr>
-        <p:spPr>
-          <a:xfrm>
-            <a:off x="3122908" y="6176963"/>
-            <a:ext cx="5835112" cy="523220"/>
-          </a:xfrm>
-          <a:prstGeom prst="rect">
-            <a:avLst/>
-          </a:prstGeom>
-        </p:spPr>
-        <p:txBody>
-          <a:bodyPr wrap="square">
-            <a:spAutoFit/>
-          </a:bodyPr>
-          <a:lstStyle/>
-          <a:p>
-            <a:r>
-              <a:rPr lang="en-GB" sz="1400" dirty="0" smtClean="0"/>
-              <a:t>Social Area Analysis </a:t>
-            </a:r>
-            <a:r>
-              <a:rPr lang="en-GB" sz="1400" dirty="0"/>
-              <a:t>of the Bay area, san Francisco </a:t>
-            </a:r>
-          </a:p>
-          <a:p>
-            <a:r>
-              <a:rPr lang="en-GB" sz="1400" dirty="0"/>
-              <a:t>Source: Map from ‘social area analysis’ by </a:t>
-            </a:r>
-            <a:r>
-              <a:rPr lang="en-GB" sz="1400" dirty="0" err="1"/>
-              <a:t>Eshref</a:t>
-            </a:r>
-            <a:r>
-              <a:rPr lang="en-GB" sz="1400" dirty="0"/>
-              <a:t> </a:t>
-            </a:r>
-            <a:r>
-              <a:rPr lang="en-GB" sz="1400" dirty="0" err="1" smtClean="0"/>
-              <a:t>Shevky</a:t>
-            </a:r>
-            <a:r>
-              <a:rPr lang="en-GB" sz="1400" dirty="0" smtClean="0"/>
-              <a:t> </a:t>
-            </a:r>
-            <a:r>
-              <a:rPr lang="en-GB" sz="1400" dirty="0"/>
-              <a:t>and Wendell </a:t>
-            </a:r>
-            <a:r>
-              <a:rPr lang="en-GB" sz="1400" dirty="0" smtClean="0"/>
-              <a:t>Bell</a:t>
-            </a:r>
-            <a:endParaRPr lang="en-GB" sz="1400" dirty="0"/>
+        </p:nvSpPr>
+        <p:spPr/>
+        <p:txBody>
+          <a:bodyPr/>
+          <a:lstStyle/>
+          <a:p>
+            <a:r>
+              <a:rPr lang="en-US" dirty="0" smtClean="0"/>
+              <a:t>Where </a:t>
+            </a:r>
+            <a:r>
+              <a:rPr lang="en-US" dirty="0"/>
+              <a:t>economic resources and the interventions they enable might be best </a:t>
+            </a:r>
+            <a:r>
+              <a:rPr lang="en-US" dirty="0" smtClean="0"/>
+              <a:t>targeted?</a:t>
+            </a:r>
+          </a:p>
+          <a:p>
+            <a:r>
+              <a:rPr lang="en-US" dirty="0" smtClean="0"/>
+              <a:t>UK </a:t>
+            </a:r>
+            <a:r>
+              <a:rPr lang="mr-IN" dirty="0" smtClean="0"/>
+              <a:t>–</a:t>
+            </a:r>
+            <a:r>
+              <a:rPr lang="en-US" dirty="0" smtClean="0"/>
+              <a:t> a number of Indices of Multiple Deprivation</a:t>
+            </a:r>
+          </a:p>
+          <a:p>
+            <a:r>
+              <a:rPr lang="en-US" dirty="0" smtClean="0"/>
+              <a:t>Latest English </a:t>
+            </a:r>
+            <a:r>
+              <a:rPr lang="en-US" dirty="0"/>
+              <a:t>indices of deprivation were released in </a:t>
+            </a:r>
+            <a:r>
+              <a:rPr lang="en-US" dirty="0" smtClean="0"/>
+              <a:t>2015</a:t>
+            </a:r>
+          </a:p>
+          <a:p>
+            <a:pPr lvl="1"/>
+            <a:r>
+              <a:rPr lang="en-US" dirty="0"/>
+              <a:t>G</a:t>
+            </a:r>
+            <a:r>
+              <a:rPr lang="en-US" dirty="0" smtClean="0"/>
+              <a:t>enerated </a:t>
+            </a:r>
+            <a:r>
+              <a:rPr lang="en-US" dirty="0"/>
+              <a:t>at the lower super output area (LSOA) scale (32,844 in England, with an average of 1,500 </a:t>
+            </a:r>
+            <a:r>
+              <a:rPr lang="en-US" dirty="0" smtClean="0"/>
+              <a:t>residents) </a:t>
+            </a:r>
+            <a:endParaRPr lang="en-US" dirty="0"/>
+          </a:p>
+          <a:p>
+            <a:pPr lvl="1"/>
+            <a:endParaRPr lang="en-US" dirty="0"/>
+          </a:p>
+          <a:p>
+            <a:endParaRPr lang="en-US" dirty="0"/>
+          </a:p>
+          <a:p>
+            <a:endParaRPr lang="en-GB" dirty="0"/>
           </a:p>
         </p:txBody>
       </p:sp>
     </p:spTree>
     <p:extLst>
       <p:ext uri="{BB962C8B-B14F-4D97-AF65-F5344CB8AC3E}">
-        <p14:creationId xmlns:p14="http://schemas.microsoft.com/office/powerpoint/2010/main" val="1842965548"/>
+        <p14:creationId xmlns:p14="http://schemas.microsoft.com/office/powerpoint/2010/main" val="1072550707"/>
       </p:ext>
     </p:extLst>
   </p:cSld>
@@ -4141,97 +4042,132 @@
           <a:lstStyle/>
           <a:p>
             <a:r>
+              <a:rPr lang="en-GB" dirty="0"/>
+              <a:t>Contemporary Index</a:t>
+            </a:r>
+          </a:p>
+        </p:txBody>
+      </p:sp>
+      <p:sp>
+        <p:nvSpPr>
+          <p:cNvPr id="3" name="Content Placeholder 2"/>
+          <p:cNvSpPr>
+            <a:spLocks noGrp="1"/>
+          </p:cNvSpPr>
+          <p:nvPr>
+            <p:ph idx="1"/>
+          </p:nvPr>
+        </p:nvSpPr>
+        <p:spPr/>
+        <p:txBody>
+          <a:bodyPr>
+            <a:normAutofit fontScale="92500" lnSpcReduction="10000"/>
+          </a:bodyPr>
+          <a:lstStyle/>
+          <a:p>
+            <a:r>
               <a:rPr lang="en-GB" dirty="0" smtClean="0"/>
-              <a:t>Contemporary Index</a:t>
+              <a:t>Domains</a:t>
+            </a:r>
+          </a:p>
+          <a:p>
+            <a:pPr lvl="1"/>
+            <a:r>
+              <a:rPr lang="en-GB" dirty="0"/>
+              <a:t>Employment deprivation </a:t>
+            </a:r>
+          </a:p>
+          <a:p>
+            <a:pPr lvl="1"/>
+            <a:r>
+              <a:rPr lang="en-GB" dirty="0" smtClean="0"/>
+              <a:t>Education</a:t>
+            </a:r>
+            <a:r>
+              <a:rPr lang="en-GB" dirty="0"/>
+              <a:t>, skills, and training deprivation </a:t>
+            </a:r>
+          </a:p>
+          <a:p>
+            <a:pPr lvl="1"/>
+            <a:r>
+              <a:rPr lang="en-GB" dirty="0" smtClean="0"/>
+              <a:t>Health </a:t>
+            </a:r>
+            <a:r>
+              <a:rPr lang="en-GB" dirty="0"/>
+              <a:t>deprivation and disability </a:t>
+            </a:r>
+          </a:p>
+          <a:p>
+            <a:pPr lvl="1"/>
+            <a:r>
+              <a:rPr lang="en-GB" dirty="0" smtClean="0"/>
+              <a:t>Crime </a:t>
             </a:r>
             <a:endParaRPr lang="en-GB" dirty="0"/>
           </a:p>
-        </p:txBody>
-      </p:sp>
-      <p:sp>
-        <p:nvSpPr>
-          <p:cNvPr id="3" name="Content Placeholder 2"/>
-          <p:cNvSpPr>
-            <a:spLocks noGrp="1"/>
-          </p:cNvSpPr>
-          <p:nvPr>
-            <p:ph idx="1"/>
-          </p:nvPr>
-        </p:nvSpPr>
-        <p:spPr/>
-        <p:txBody>
-          <a:bodyPr/>
-          <a:lstStyle/>
-          <a:p>
-            <a:r>
-              <a:rPr lang="en-US" dirty="0" smtClean="0"/>
-              <a:t>Where </a:t>
-            </a:r>
-            <a:r>
-              <a:rPr lang="en-US" dirty="0"/>
-              <a:t>economic resources and the interventions they enable might be best </a:t>
-            </a:r>
-            <a:r>
-              <a:rPr lang="en-US" dirty="0" smtClean="0"/>
-              <a:t>targeted?</a:t>
-            </a:r>
-          </a:p>
-          <a:p>
-            <a:r>
-              <a:rPr lang="en-US" dirty="0" smtClean="0"/>
-              <a:t>UK </a:t>
-            </a:r>
-            <a:r>
-              <a:rPr lang="mr-IN" dirty="0" smtClean="0"/>
-              <a:t>–</a:t>
-            </a:r>
-            <a:r>
-              <a:rPr lang="en-US" dirty="0" smtClean="0"/>
-              <a:t> a number of Indices of Multiple Deprivation</a:t>
-            </a:r>
-          </a:p>
-          <a:p>
-            <a:r>
-              <a:rPr lang="en-US" dirty="0" smtClean="0"/>
-              <a:t>Latest English </a:t>
-            </a:r>
-            <a:r>
-              <a:rPr lang="en-US" dirty="0"/>
-              <a:t>indices of deprivation were released in </a:t>
-            </a:r>
-            <a:r>
-              <a:rPr lang="en-US" dirty="0" smtClean="0"/>
-              <a:t>2015</a:t>
-            </a:r>
-          </a:p>
           <a:p>
             <a:pPr lvl="1"/>
             <a:r>
-              <a:rPr lang="en-US" dirty="0"/>
-              <a:t>G</a:t>
-            </a:r>
-            <a:r>
-              <a:rPr lang="en-US" dirty="0" smtClean="0"/>
-              <a:t>enerated </a:t>
-            </a:r>
-            <a:r>
-              <a:rPr lang="en-US" dirty="0"/>
-              <a:t>at the lower super output area (LSOA) scale (32,844 in England, with an average of 1,500 </a:t>
-            </a:r>
-            <a:r>
-              <a:rPr lang="en-US" dirty="0" smtClean="0"/>
-              <a:t>residents) </a:t>
-            </a:r>
-            <a:endParaRPr lang="en-US" dirty="0"/>
+              <a:rPr lang="en-GB" dirty="0" smtClean="0"/>
+              <a:t>Barriers </a:t>
+            </a:r>
+            <a:r>
+              <a:rPr lang="en-GB" dirty="0"/>
+              <a:t>to housing and services </a:t>
+            </a:r>
           </a:p>
           <a:p>
             <a:pPr lvl="1"/>
-            <a:endParaRPr lang="en-US" dirty="0"/>
-          </a:p>
-          <a:p>
-            <a:endParaRPr lang="en-US" dirty="0"/>
-          </a:p>
-          <a:p>
+            <a:r>
+              <a:rPr lang="en-GB" dirty="0" smtClean="0"/>
+              <a:t>Living </a:t>
+            </a:r>
+            <a:r>
+              <a:rPr lang="en-GB" dirty="0"/>
+              <a:t>environment deprivation. </a:t>
+            </a:r>
+          </a:p>
+          <a:p>
+            <a:r>
+              <a:rPr lang="en-GB" dirty="0" smtClean="0"/>
+              <a:t>Data</a:t>
+            </a:r>
+          </a:p>
+          <a:p>
+            <a:pPr lvl="1"/>
+            <a:r>
+              <a:rPr lang="en-GB" dirty="0" smtClean="0"/>
+              <a:t>Administrative Sources</a:t>
+            </a:r>
+          </a:p>
+          <a:p>
+            <a:r>
+              <a:rPr lang="en-GB" dirty="0" smtClean="0"/>
+              <a:t>Methods</a:t>
+            </a:r>
+          </a:p>
+          <a:p>
+            <a:pPr lvl="1"/>
+            <a:r>
+              <a:rPr lang="en-GB" dirty="0" smtClean="0"/>
+              <a:t>Shrinkage technique</a:t>
+            </a:r>
+          </a:p>
+          <a:p>
+            <a:pPr lvl="1"/>
+            <a:r>
+              <a:rPr lang="en-GB" dirty="0" smtClean="0"/>
+              <a:t>Combined </a:t>
+            </a:r>
+            <a:r>
+              <a:rPr lang="en-GB" dirty="0"/>
+              <a:t>through factor analysis </a:t>
+            </a:r>
+          </a:p>
+          <a:p>
+            <a:pPr lvl="1"/>
             <a:endParaRPr lang="en-GB" dirty="0"/>
           </a:p>
         </p:txBody>
@@ -4239,7 +4175,7 @@
     </p:spTree>
     <p:extLst>
       <p:ext uri="{BB962C8B-B14F-4D97-AF65-F5344CB8AC3E}">
-        <p14:creationId xmlns:p14="http://schemas.microsoft.com/office/powerpoint/2010/main" val="1072550707"/>
+        <p14:creationId xmlns:p14="http://schemas.microsoft.com/office/powerpoint/2010/main" val="973850099"/>
       </p:ext>
     </p:extLst>
   </p:cSld>
@@ -4288,134 +4224,100 @@
           </a:p>
         </p:txBody>
       </p:sp>
-      <p:sp>
-        <p:nvSpPr>
-          <p:cNvPr id="3" name="Content Placeholder 2"/>
-          <p:cNvSpPr>
-            <a:spLocks noGrp="1"/>
-          </p:cNvSpPr>
+      <p:pic>
+        <p:nvPicPr>
+          <p:cNvPr id="4" name="Content Placeholder 3"/>
+          <p:cNvPicPr>
+            <a:picLocks noGrp="1" noChangeAspect="1"/>
+          </p:cNvPicPr>
           <p:nvPr>
             <p:ph idx="1"/>
           </p:nvPr>
-        </p:nvSpPr>
-        <p:spPr/>
-        <p:txBody>
-          <a:bodyPr>
-            <a:normAutofit fontScale="92500" lnSpcReduction="10000"/>
+        </p:nvPicPr>
+        <p:blipFill>
+          <a:blip r:embed="rId2" cstate="screen">
+            <a:extLst>
+              <a:ext uri="{28A0092B-C50C-407E-A947-70E740481C1C}">
+                <a14:useLocalDpi xmlns:a14="http://schemas.microsoft.com/office/drawing/2010/main"/>
+              </a:ext>
+            </a:extLst>
+          </a:blip>
+          <a:stretch>
+            <a:fillRect/>
+          </a:stretch>
+        </p:blipFill>
+        <p:spPr>
+          <a:xfrm>
+            <a:off x="746804" y="1483507"/>
+            <a:ext cx="7650391" cy="4351338"/>
+          </a:xfrm>
+          <a:prstGeom prst="rect">
+            <a:avLst/>
+          </a:prstGeom>
+        </p:spPr>
+      </p:pic>
+      <p:sp>
+        <p:nvSpPr>
+          <p:cNvPr id="5" name="Rectangle 4"/>
+          <p:cNvSpPr/>
+          <p:nvPr/>
+        </p:nvSpPr>
+        <p:spPr>
+          <a:xfrm>
+            <a:off x="819509" y="5834845"/>
+            <a:ext cx="7851793" cy="738664"/>
+          </a:xfrm>
+          <a:prstGeom prst="rect">
+            <a:avLst/>
+          </a:prstGeom>
+        </p:spPr>
+        <p:txBody>
+          <a:bodyPr wrap="square">
+            <a:spAutoFit/>
           </a:bodyPr>
           <a:lstStyle/>
           <a:p>
             <a:r>
-              <a:rPr lang="en-GB" dirty="0" smtClean="0"/>
-              <a:t>Domains</a:t>
-            </a:r>
-          </a:p>
-          <a:p>
-            <a:pPr lvl="1"/>
-            <a:r>
-              <a:rPr lang="en-GB" dirty="0"/>
-              <a:t>Employment deprivation </a:t>
-            </a:r>
-          </a:p>
-          <a:p>
-            <a:pPr lvl="1"/>
-            <a:r>
-              <a:rPr lang="en-GB" dirty="0" smtClean="0"/>
-              <a:t>Education</a:t>
-            </a:r>
-            <a:r>
-              <a:rPr lang="en-GB" dirty="0"/>
-              <a:t>, skills, and training deprivation </a:t>
-            </a:r>
-          </a:p>
-          <a:p>
-            <a:pPr lvl="1"/>
-            <a:r>
-              <a:rPr lang="en-GB" dirty="0" smtClean="0"/>
-              <a:t>Health </a:t>
-            </a:r>
-            <a:r>
-              <a:rPr lang="en-GB" dirty="0"/>
-              <a:t>deprivation and disability </a:t>
-            </a:r>
-          </a:p>
-          <a:p>
-            <a:pPr lvl="1"/>
-            <a:r>
-              <a:rPr lang="en-GB" dirty="0" smtClean="0"/>
-              <a:t>Crime </a:t>
-            </a:r>
-            <a:endParaRPr lang="en-GB" dirty="0"/>
-          </a:p>
-          <a:p>
-            <a:pPr lvl="1"/>
-            <a:r>
-              <a:rPr lang="en-GB" dirty="0" smtClean="0"/>
-              <a:t>Barriers </a:t>
-            </a:r>
-            <a:r>
-              <a:rPr lang="en-GB" dirty="0"/>
-              <a:t>to housing and services </a:t>
-            </a:r>
-          </a:p>
-          <a:p>
-            <a:pPr lvl="1"/>
-            <a:r>
-              <a:rPr lang="en-GB" dirty="0" smtClean="0"/>
-              <a:t>Living </a:t>
-            </a:r>
-            <a:r>
-              <a:rPr lang="en-GB" dirty="0"/>
-              <a:t>environment deprivation. </a:t>
-            </a:r>
-          </a:p>
-          <a:p>
-            <a:r>
-              <a:rPr lang="en-GB" dirty="0" smtClean="0"/>
-              <a:t>Data</a:t>
-            </a:r>
-          </a:p>
-          <a:p>
-            <a:pPr lvl="1"/>
-            <a:r>
-              <a:rPr lang="en-GB" dirty="0" smtClean="0"/>
-              <a:t>Administrative Sources</a:t>
-            </a:r>
-          </a:p>
-          <a:p>
-            <a:r>
-              <a:rPr lang="en-GB" dirty="0" smtClean="0"/>
-              <a:t>Methods</a:t>
-            </a:r>
-          </a:p>
-          <a:p>
-            <a:pPr lvl="1"/>
-            <a:r>
-              <a:rPr lang="en-GB" dirty="0" smtClean="0"/>
-              <a:t>Shrinkage technique</a:t>
-            </a:r>
-          </a:p>
-          <a:p>
-            <a:pPr lvl="1"/>
-            <a:r>
-              <a:rPr lang="en-GB" dirty="0" smtClean="0"/>
-              <a:t>Combined </a:t>
-            </a:r>
-            <a:r>
-              <a:rPr lang="en-GB" dirty="0"/>
-              <a:t>through factor analysis </a:t>
-            </a:r>
-          </a:p>
-          <a:p>
-            <a:pPr lvl="1"/>
-            <a:endParaRPr lang="en-GB" dirty="0"/>
+              <a:rPr lang="en-GB" sz="1400" dirty="0" smtClean="0"/>
+              <a:t>The </a:t>
+            </a:r>
+            <a:r>
+              <a:rPr lang="en-GB" sz="1400" dirty="0"/>
+              <a:t>maps.cdrc.ac.uk website showing the change in IMD rank of LSOA between 2010 and 2015 </a:t>
+            </a:r>
+          </a:p>
+          <a:p>
+            <a:r>
+              <a:rPr lang="en-GB" sz="1400" i="1" dirty="0"/>
+              <a:t>Source</a:t>
+            </a:r>
+            <a:r>
+              <a:rPr lang="en-GB" sz="1400" dirty="0"/>
+              <a:t>: maps.cdrc.ac.uk is developed by Ollie O’Brien, University College London, UK. </a:t>
+            </a:r>
+            <a:endParaRPr lang="en-GB" sz="1400" dirty="0" smtClean="0"/>
+          </a:p>
+          <a:p>
+            <a:r>
+              <a:rPr lang="en-GB" sz="1400" dirty="0" smtClean="0"/>
+              <a:t>Reprinted </a:t>
+            </a:r>
+            <a:r>
+              <a:rPr lang="en-GB" sz="1400" dirty="0"/>
+              <a:t>with </a:t>
+            </a:r>
+            <a:r>
+              <a:rPr lang="en-GB" sz="1400" dirty="0" smtClean="0"/>
+              <a:t>permission</a:t>
+            </a:r>
+            <a:endParaRPr lang="en-GB" sz="1400" dirty="0"/>
           </a:p>
         </p:txBody>
       </p:sp>
     </p:spTree>
     <p:extLst>
       <p:ext uri="{BB962C8B-B14F-4D97-AF65-F5344CB8AC3E}">
-        <p14:creationId xmlns:p14="http://schemas.microsoft.com/office/powerpoint/2010/main" val="973850099"/>
+        <p14:creationId xmlns:p14="http://schemas.microsoft.com/office/powerpoint/2010/main" val="210205115"/>
       </p:ext>
     </p:extLst>
   </p:cSld>
@@ -4458,98 +4360,92 @@
           <a:lstStyle/>
           <a:p>
             <a:r>
-              <a:rPr lang="en-GB" dirty="0"/>
-              <a:t>Contemporary Index</a:t>
-            </a:r>
-          </a:p>
-        </p:txBody>
-      </p:sp>
-      <p:pic>
-        <p:nvPicPr>
-          <p:cNvPr id="4" name="Content Placeholder 3"/>
-          <p:cNvPicPr>
-            <a:picLocks noGrp="1" noChangeAspect="1"/>
-          </p:cNvPicPr>
+              <a:rPr lang="en-GB" dirty="0" smtClean="0"/>
+              <a:t>Building an Index</a:t>
+            </a:r>
+            <a:endParaRPr lang="en-GB" dirty="0"/>
+          </a:p>
+        </p:txBody>
+      </p:sp>
+      <p:sp>
+        <p:nvSpPr>
+          <p:cNvPr id="3" name="Content Placeholder 2"/>
+          <p:cNvSpPr>
+            <a:spLocks noGrp="1"/>
+          </p:cNvSpPr>
           <p:nvPr>
             <p:ph idx="1"/>
           </p:nvPr>
-        </p:nvPicPr>
-        <p:blipFill>
-          <a:blip r:embed="rId2" cstate="screen">
-            <a:extLst>
-              <a:ext uri="{28A0092B-C50C-407E-A947-70E740481C1C}">
-                <a14:useLocalDpi xmlns:a14="http://schemas.microsoft.com/office/drawing/2010/main"/>
-              </a:ext>
-            </a:extLst>
-          </a:blip>
-          <a:stretch>
-            <a:fillRect/>
-          </a:stretch>
-        </p:blipFill>
-        <p:spPr>
-          <a:xfrm>
-            <a:off x="746804" y="1483507"/>
-            <a:ext cx="7650391" cy="4351338"/>
-          </a:xfrm>
-          <a:prstGeom prst="rect">
-            <a:avLst/>
-          </a:prstGeom>
-        </p:spPr>
-      </p:pic>
-      <p:sp>
-        <p:nvSpPr>
-          <p:cNvPr id="5" name="Rectangle 4"/>
-          <p:cNvSpPr/>
-          <p:nvPr/>
-        </p:nvSpPr>
-        <p:spPr>
-          <a:xfrm>
-            <a:off x="4099302" y="5834845"/>
-            <a:ext cx="4572000" cy="954107"/>
-          </a:xfrm>
-          <a:prstGeom prst="rect">
-            <a:avLst/>
-          </a:prstGeom>
-        </p:spPr>
-        <p:txBody>
-          <a:bodyPr>
-            <a:spAutoFit/>
-          </a:bodyPr>
-          <a:lstStyle/>
-          <a:p>
-            <a:r>
-              <a:rPr lang="en-GB" sz="1400" smtClean="0"/>
-              <a:t>The </a:t>
-            </a:r>
-            <a:r>
-              <a:rPr lang="en-GB" sz="1400" dirty="0" err="1"/>
-              <a:t>maps.cdrc.ac.uk</a:t>
-            </a:r>
-            <a:r>
-              <a:rPr lang="en-GB" sz="1400" dirty="0"/>
-              <a:t> website showing the change in IMD rank of LSOA between 2010 and 2015 </a:t>
-            </a:r>
-          </a:p>
-          <a:p>
-            <a:r>
-              <a:rPr lang="en-GB" sz="1400" dirty="0"/>
-              <a:t>Source: </a:t>
-            </a:r>
-            <a:r>
-              <a:rPr lang="en-GB" sz="1400" dirty="0" err="1"/>
-              <a:t>maps.cdrc.ac.uk</a:t>
-            </a:r>
-            <a:r>
-              <a:rPr lang="en-GB" sz="1400" dirty="0"/>
-              <a:t> is developed by Ollie O’Brien, University College London, UK. Reprinted with permission. </a:t>
-            </a:r>
+        </p:nvSpPr>
+        <p:spPr/>
+        <p:txBody>
+          <a:bodyPr/>
+          <a:lstStyle/>
+          <a:p>
+            <a:r>
+              <a:rPr lang="en-US" dirty="0"/>
+              <a:t>Most indices are constructed from a range of </a:t>
+            </a:r>
+            <a:r>
+              <a:rPr lang="en-US" dirty="0" smtClean="0"/>
+              <a:t>variables</a:t>
+            </a:r>
+          </a:p>
+          <a:p>
+            <a:pPr lvl="1"/>
+            <a:r>
+              <a:rPr lang="en-US" dirty="0" smtClean="0"/>
+              <a:t>Could </a:t>
+            </a:r>
+            <a:r>
+              <a:rPr lang="en-US" dirty="0"/>
+              <a:t>be drawn from across multiple measurement scales </a:t>
+            </a:r>
+            <a:endParaRPr lang="en-US" dirty="0" smtClean="0"/>
+          </a:p>
+          <a:p>
+            <a:r>
+              <a:rPr lang="en-US" dirty="0" smtClean="0"/>
+              <a:t>Typically use a standardization technique</a:t>
+            </a:r>
+          </a:p>
+          <a:p>
+            <a:pPr lvl="1"/>
+            <a:r>
+              <a:rPr lang="en-US" dirty="0"/>
+              <a:t>e</a:t>
+            </a:r>
+            <a:r>
+              <a:rPr lang="en-US" dirty="0" smtClean="0"/>
+              <a:t>.g. </a:t>
+            </a:r>
+            <a:r>
+              <a:rPr lang="en-US" i="1" dirty="0" smtClean="0"/>
+              <a:t>z-score</a:t>
+            </a:r>
+          </a:p>
+          <a:p>
+            <a:r>
+              <a:rPr lang="en-US" dirty="0" smtClean="0"/>
+              <a:t>Sum of raw or weighted scores</a:t>
+            </a:r>
+          </a:p>
+          <a:p>
+            <a:r>
+              <a:rPr lang="en-US" dirty="0" smtClean="0"/>
+              <a:t>There are many ways of building indices which range in complexity</a:t>
+            </a:r>
+            <a:endParaRPr lang="en-US" dirty="0"/>
+          </a:p>
+          <a:p>
+            <a:endParaRPr lang="en-GB" dirty="0"/>
           </a:p>
         </p:txBody>
       </p:sp>
     </p:spTree>
     <p:extLst>
       <p:ext uri="{BB962C8B-B14F-4D97-AF65-F5344CB8AC3E}">
-        <p14:creationId xmlns:p14="http://schemas.microsoft.com/office/powerpoint/2010/main" val="210205115"/>
+        <p14:creationId xmlns:p14="http://schemas.microsoft.com/office/powerpoint/2010/main" val="1621286530"/>
       </p:ext>
     </p:extLst>
   </p:cSld>
@@ -4592,84 +4488,126 @@
           <a:lstStyle/>
           <a:p>
             <a:r>
-              <a:rPr lang="en-GB" dirty="0" smtClean="0"/>
+              <a:rPr lang="en-GB" dirty="0"/>
               <a:t>Building an Index</a:t>
             </a:r>
-            <a:endParaRPr lang="en-GB" dirty="0"/>
-          </a:p>
-        </p:txBody>
-      </p:sp>
-      <p:sp>
-        <p:nvSpPr>
-          <p:cNvPr id="3" name="Content Placeholder 2"/>
-          <p:cNvSpPr>
-            <a:spLocks noGrp="1"/>
-          </p:cNvSpPr>
+          </a:p>
+        </p:txBody>
+      </p:sp>
+      <p:pic>
+        <p:nvPicPr>
+          <p:cNvPr id="4" name="Content Placeholder 3"/>
+          <p:cNvPicPr>
+            <a:picLocks noGrp="1" noChangeAspect="1"/>
+          </p:cNvPicPr>
           <p:nvPr>
             <p:ph idx="1"/>
           </p:nvPr>
-        </p:nvSpPr>
-        <p:spPr/>
-        <p:txBody>
-          <a:bodyPr/>
-          <a:lstStyle/>
-          <a:p>
-            <a:r>
-              <a:rPr lang="en-US" dirty="0"/>
-              <a:t>Most indices are constructed from a range of </a:t>
-            </a:r>
-            <a:r>
-              <a:rPr lang="en-US" dirty="0" smtClean="0"/>
-              <a:t>variables</a:t>
-            </a:r>
-          </a:p>
-          <a:p>
-            <a:pPr lvl="1"/>
-            <a:r>
-              <a:rPr lang="en-US" dirty="0" smtClean="0"/>
-              <a:t>Could </a:t>
-            </a:r>
-            <a:r>
-              <a:rPr lang="en-US" dirty="0"/>
-              <a:t>be drawn from across multiple measurement scales </a:t>
-            </a:r>
-            <a:endParaRPr lang="en-US" dirty="0" smtClean="0"/>
-          </a:p>
-          <a:p>
-            <a:r>
-              <a:rPr lang="en-US" dirty="0" smtClean="0"/>
-              <a:t>Typically use a standardization technique</a:t>
-            </a:r>
-          </a:p>
-          <a:p>
-            <a:pPr lvl="1"/>
-            <a:r>
-              <a:rPr lang="en-US" dirty="0" smtClean="0"/>
-              <a:t>E.g. Z-Score</a:t>
-            </a:r>
-          </a:p>
-          <a:p>
-            <a:r>
-              <a:rPr lang="en-US" dirty="0" smtClean="0"/>
-              <a:t>Sum of raw or weighted scores</a:t>
-            </a:r>
-          </a:p>
-          <a:p>
-            <a:r>
-              <a:rPr lang="en-US" dirty="0" smtClean="0"/>
-              <a:t>There are many ways of building indices which range in complexity</a:t>
-            </a:r>
-            <a:endParaRPr lang="en-US" dirty="0"/>
-          </a:p>
-          <a:p>
-            <a:endParaRPr lang="en-GB" dirty="0"/>
+        </p:nvPicPr>
+        <p:blipFill>
+          <a:blip r:embed="rId2" cstate="screen">
+            <a:extLst>
+              <a:ext uri="{28A0092B-C50C-407E-A947-70E740481C1C}">
+                <a14:useLocalDpi xmlns:a14="http://schemas.microsoft.com/office/drawing/2010/main"/>
+              </a:ext>
+            </a:extLst>
+          </a:blip>
+          <a:stretch>
+            <a:fillRect/>
+          </a:stretch>
+        </p:blipFill>
+        <p:spPr>
+          <a:xfrm>
+            <a:off x="628650" y="1690689"/>
+            <a:ext cx="7886700" cy="3399578"/>
+          </a:xfrm>
+          <a:prstGeom prst="rect">
+            <a:avLst/>
+          </a:prstGeom>
+        </p:spPr>
+      </p:pic>
+      <p:sp>
+        <p:nvSpPr>
+          <p:cNvPr id="5" name="Rectangle 4"/>
+          <p:cNvSpPr/>
+          <p:nvPr/>
+        </p:nvSpPr>
+        <p:spPr>
+          <a:xfrm>
+            <a:off x="733245" y="5650293"/>
+            <a:ext cx="7782105" cy="738664"/>
+          </a:xfrm>
+          <a:prstGeom prst="rect">
+            <a:avLst/>
+          </a:prstGeom>
+        </p:spPr>
+        <p:txBody>
+          <a:bodyPr wrap="square">
+            <a:spAutoFit/>
+          </a:bodyPr>
+          <a:lstStyle/>
+          <a:p>
+            <a:r>
+              <a:rPr lang="en-GB" sz="1400" dirty="0"/>
+              <a:t>Calculating an index using </a:t>
+            </a:r>
+            <a:r>
+              <a:rPr lang="en-GB" sz="1400" i="1" dirty="0"/>
+              <a:t>z-scores</a:t>
+            </a:r>
+            <a:r>
+              <a:rPr lang="en-GB" sz="1400" dirty="0"/>
+              <a:t> for: density; percent aged 65+; percent in poverty; and index of the three measures </a:t>
+            </a:r>
+          </a:p>
+          <a:p>
+            <a:r>
+              <a:rPr lang="en-GB" sz="1400" i="1" dirty="0"/>
+              <a:t>Source</a:t>
+            </a:r>
+            <a:r>
+              <a:rPr lang="en-GB" sz="1400" dirty="0"/>
+              <a:t>: </a:t>
+            </a:r>
+            <a:r>
+              <a:rPr lang="en-GB" sz="1400" dirty="0" smtClean="0"/>
+              <a:t>Authors</a:t>
+            </a:r>
+            <a:r>
+              <a:rPr lang="en-GB" sz="1400" dirty="0"/>
+              <a:t>’ own; data – </a:t>
+            </a:r>
+            <a:r>
+              <a:rPr lang="en-GB" sz="1400" dirty="0" smtClean="0"/>
+              <a:t>US </a:t>
+            </a:r>
+            <a:r>
+              <a:rPr lang="en-GB" sz="1400" dirty="0"/>
+              <a:t>Census Bureau, </a:t>
+            </a:r>
+            <a:r>
+              <a:rPr lang="en-GB" sz="1400" dirty="0" smtClean="0"/>
+              <a:t>American </a:t>
+            </a:r>
+            <a:r>
+              <a:rPr lang="en-GB" sz="1400" dirty="0"/>
+              <a:t>Community </a:t>
+            </a:r>
+            <a:r>
+              <a:rPr lang="en-GB" sz="1400" dirty="0" smtClean="0"/>
+              <a:t>Survey </a:t>
+            </a:r>
+            <a:r>
+              <a:rPr lang="en-GB" sz="1400" dirty="0"/>
+              <a:t>2014 </a:t>
+            </a:r>
           </a:p>
         </p:txBody>
       </p:sp>
     </p:spTree>
     <p:extLst>
       <p:ext uri="{BB962C8B-B14F-4D97-AF65-F5344CB8AC3E}">
-        <p14:creationId xmlns:p14="http://schemas.microsoft.com/office/powerpoint/2010/main" val="1621286530"/>
+        <p14:creationId xmlns:p14="http://schemas.microsoft.com/office/powerpoint/2010/main" val="703400624"/>
       </p:ext>
     </p:extLst>
   </p:cSld>
@@ -4712,90 +4650,63 @@
           <a:lstStyle/>
           <a:p>
             <a:r>
-              <a:rPr lang="en-GB" dirty="0"/>
-              <a:t>Building an Index</a:t>
-            </a:r>
-          </a:p>
-        </p:txBody>
-      </p:sp>
-      <p:pic>
-        <p:nvPicPr>
-          <p:cNvPr id="4" name="Content Placeholder 3"/>
-          <p:cNvPicPr>
-            <a:picLocks noGrp="1" noChangeAspect="1"/>
-          </p:cNvPicPr>
+              <a:rPr lang="en-GB" dirty="0" smtClean="0"/>
+              <a:t>Conclusions</a:t>
+            </a:r>
+            <a:endParaRPr lang="en-GB" dirty="0"/>
+          </a:p>
+        </p:txBody>
+      </p:sp>
+      <p:sp>
+        <p:nvSpPr>
+          <p:cNvPr id="3" name="Content Placeholder 2"/>
+          <p:cNvSpPr>
+            <a:spLocks noGrp="1"/>
+          </p:cNvSpPr>
           <p:nvPr>
             <p:ph idx="1"/>
           </p:nvPr>
-        </p:nvPicPr>
-        <p:blipFill>
-          <a:blip r:embed="rId2" cstate="screen">
-            <a:extLst>
-              <a:ext uri="{28A0092B-C50C-407E-A947-70E740481C1C}">
-                <a14:useLocalDpi xmlns:a14="http://schemas.microsoft.com/office/drawing/2010/main"/>
-              </a:ext>
-            </a:extLst>
-          </a:blip>
-          <a:stretch>
-            <a:fillRect/>
-          </a:stretch>
-        </p:blipFill>
-        <p:spPr>
-          <a:xfrm>
-            <a:off x="628650" y="1690689"/>
-            <a:ext cx="7886700" cy="3399578"/>
-          </a:xfrm>
-          <a:prstGeom prst="rect">
-            <a:avLst/>
-          </a:prstGeom>
-        </p:spPr>
-      </p:pic>
-      <p:sp>
-        <p:nvSpPr>
-          <p:cNvPr id="5" name="Rectangle 4"/>
-          <p:cNvSpPr/>
-          <p:nvPr/>
-        </p:nvSpPr>
-        <p:spPr>
-          <a:xfrm>
-            <a:off x="3943350" y="5650293"/>
-            <a:ext cx="4572000" cy="954107"/>
-          </a:xfrm>
-          <a:prstGeom prst="rect">
-            <a:avLst/>
-          </a:prstGeom>
-        </p:spPr>
-        <p:txBody>
-          <a:bodyPr>
-            <a:spAutoFit/>
-          </a:bodyPr>
-          <a:lstStyle/>
-          <a:p>
-            <a:r>
-              <a:rPr lang="en-GB" sz="1400" dirty="0"/>
-              <a:t>Calculating an index using z-scores for: density; percent aged 65+; percent in poverty; and index of the three measures </a:t>
-            </a:r>
-          </a:p>
-          <a:p>
-            <a:r>
-              <a:rPr lang="en-GB" sz="1400" dirty="0"/>
-              <a:t>Source: authors’ own; data – Us Census Bureau, </a:t>
-            </a:r>
-            <a:r>
-              <a:rPr lang="en-GB" sz="1400" dirty="0" smtClean="0"/>
-              <a:t>American </a:t>
-            </a:r>
-            <a:r>
-              <a:rPr lang="en-GB" sz="1400" dirty="0"/>
-              <a:t>Community survey 2014 </a:t>
-            </a:r>
+        </p:nvSpPr>
+        <p:spPr/>
+        <p:txBody>
+          <a:bodyPr/>
+          <a:lstStyle/>
+          <a:p>
+            <a:r>
+              <a:rPr lang="en-GB" dirty="0" smtClean="0"/>
+              <a:t>Indicators have a history of use in the description of different aspects of urban geography</a:t>
+            </a:r>
+          </a:p>
+          <a:p>
+            <a:r>
+              <a:rPr lang="en-GB" dirty="0" smtClean="0"/>
+              <a:t>They are usually used to describe latent structure</a:t>
+            </a:r>
+          </a:p>
+          <a:p>
+            <a:pPr lvl="1"/>
+            <a:r>
+              <a:rPr lang="en-GB" dirty="0" smtClean="0"/>
+              <a:t>Often multidimensional in terms of input</a:t>
+            </a:r>
+          </a:p>
+          <a:p>
+            <a:r>
+              <a:rPr lang="en-GB" dirty="0" smtClean="0"/>
+              <a:t>No single way of building </a:t>
+            </a:r>
+            <a:r>
+              <a:rPr lang="en-GB" smtClean="0"/>
+              <a:t>an index</a:t>
+            </a:r>
+            <a:endParaRPr lang="en-GB" dirty="0"/>
           </a:p>
         </p:txBody>
       </p:sp>
     </p:spTree>
     <p:extLst>
       <p:ext uri="{BB962C8B-B14F-4D97-AF65-F5344CB8AC3E}">
-        <p14:creationId xmlns:p14="http://schemas.microsoft.com/office/powerpoint/2010/main" val="703400624"/>
+        <p14:creationId xmlns:p14="http://schemas.microsoft.com/office/powerpoint/2010/main" val="980882217"/>
       </p:ext>
     </p:extLst>
   </p:cSld>
